--- a/lesson1/prerequisites-training-materials.pptx
+++ b/lesson1/prerequisites-training-materials.pptx
@@ -7,15 +7,16 @@
   <p:sldIdLst>
     <p:sldId id="258" r:id="rId2"/>
     <p:sldId id="259" r:id="rId3"/>
-    <p:sldId id="267" r:id="rId4"/>
-    <p:sldId id="261" r:id="rId5"/>
-    <p:sldId id="268" r:id="rId6"/>
-    <p:sldId id="262" r:id="rId7"/>
-    <p:sldId id="263" r:id="rId8"/>
-    <p:sldId id="264" r:id="rId9"/>
-    <p:sldId id="265" r:id="rId10"/>
-    <p:sldId id="260" r:id="rId11"/>
-    <p:sldId id="269" r:id="rId12"/>
+    <p:sldId id="270" r:id="rId4"/>
+    <p:sldId id="267" r:id="rId5"/>
+    <p:sldId id="261" r:id="rId6"/>
+    <p:sldId id="268" r:id="rId7"/>
+    <p:sldId id="262" r:id="rId8"/>
+    <p:sldId id="263" r:id="rId9"/>
+    <p:sldId id="264" r:id="rId10"/>
+    <p:sldId id="265" r:id="rId11"/>
+    <p:sldId id="260" r:id="rId12"/>
+    <p:sldId id="269" r:id="rId13"/>
   </p:sldIdLst>
   <p:sldSz cx="12192000" cy="6858000"/>
   <p:notesSz cx="6858000" cy="9144000"/>
@@ -253,7 +254,7 @@
           <a:p>
             <a:fld id="{2E821862-DDB4-4305-A7F2-053558480A12}" type="datetimeFigureOut">
               <a:rPr lang="en-US" smtClean="0"/>
-              <a:t>1/17/2023</a:t>
+              <a:t>1/19/2023</a:t>
             </a:fld>
             <a:endParaRPr lang="en-US"/>
           </a:p>
@@ -423,7 +424,7 @@
           <a:p>
             <a:fld id="{2E821862-DDB4-4305-A7F2-053558480A12}" type="datetimeFigureOut">
               <a:rPr lang="en-US" smtClean="0"/>
-              <a:t>1/17/2023</a:t>
+              <a:t>1/19/2023</a:t>
             </a:fld>
             <a:endParaRPr lang="en-US"/>
           </a:p>
@@ -603,7 +604,7 @@
           <a:p>
             <a:fld id="{2E821862-DDB4-4305-A7F2-053558480A12}" type="datetimeFigureOut">
               <a:rPr lang="en-US" smtClean="0"/>
-              <a:t>1/17/2023</a:t>
+              <a:t>1/19/2023</a:t>
             </a:fld>
             <a:endParaRPr lang="en-US"/>
           </a:p>
@@ -773,7 +774,7 @@
           <a:p>
             <a:fld id="{2E821862-DDB4-4305-A7F2-053558480A12}" type="datetimeFigureOut">
               <a:rPr lang="en-US" smtClean="0"/>
-              <a:t>1/17/2023</a:t>
+              <a:t>1/19/2023</a:t>
             </a:fld>
             <a:endParaRPr lang="en-US"/>
           </a:p>
@@ -1019,7 +1020,7 @@
           <a:p>
             <a:fld id="{2E821862-DDB4-4305-A7F2-053558480A12}" type="datetimeFigureOut">
               <a:rPr lang="en-US" smtClean="0"/>
-              <a:t>1/17/2023</a:t>
+              <a:t>1/19/2023</a:t>
             </a:fld>
             <a:endParaRPr lang="en-US"/>
           </a:p>
@@ -1251,7 +1252,7 @@
           <a:p>
             <a:fld id="{2E821862-DDB4-4305-A7F2-053558480A12}" type="datetimeFigureOut">
               <a:rPr lang="en-US" smtClean="0"/>
-              <a:t>1/17/2023</a:t>
+              <a:t>1/19/2023</a:t>
             </a:fld>
             <a:endParaRPr lang="en-US"/>
           </a:p>
@@ -1618,7 +1619,7 @@
           <a:p>
             <a:fld id="{2E821862-DDB4-4305-A7F2-053558480A12}" type="datetimeFigureOut">
               <a:rPr lang="en-US" smtClean="0"/>
-              <a:t>1/17/2023</a:t>
+              <a:t>1/19/2023</a:t>
             </a:fld>
             <a:endParaRPr lang="en-US"/>
           </a:p>
@@ -1736,7 +1737,7 @@
           <a:p>
             <a:fld id="{2E821862-DDB4-4305-A7F2-053558480A12}" type="datetimeFigureOut">
               <a:rPr lang="en-US" smtClean="0"/>
-              <a:t>1/17/2023</a:t>
+              <a:t>1/19/2023</a:t>
             </a:fld>
             <a:endParaRPr lang="en-US"/>
           </a:p>
@@ -1831,7 +1832,7 @@
           <a:p>
             <a:fld id="{2E821862-DDB4-4305-A7F2-053558480A12}" type="datetimeFigureOut">
               <a:rPr lang="en-US" smtClean="0"/>
-              <a:t>1/17/2023</a:t>
+              <a:t>1/19/2023</a:t>
             </a:fld>
             <a:endParaRPr lang="en-US"/>
           </a:p>
@@ -2108,7 +2109,7 @@
           <a:p>
             <a:fld id="{2E821862-DDB4-4305-A7F2-053558480A12}" type="datetimeFigureOut">
               <a:rPr lang="en-US" smtClean="0"/>
-              <a:t>1/17/2023</a:t>
+              <a:t>1/19/2023</a:t>
             </a:fld>
             <a:endParaRPr lang="en-US"/>
           </a:p>
@@ -2361,7 +2362,7 @@
           <a:p>
             <a:fld id="{2E821862-DDB4-4305-A7F2-053558480A12}" type="datetimeFigureOut">
               <a:rPr lang="en-US" smtClean="0"/>
-              <a:t>1/17/2023</a:t>
+              <a:t>1/19/2023</a:t>
             </a:fld>
             <a:endParaRPr lang="en-US"/>
           </a:p>
@@ -2574,7 +2575,7 @@
           <a:p>
             <a:fld id="{2E821862-DDB4-4305-A7F2-053558480A12}" type="datetimeFigureOut">
               <a:rPr lang="en-US" smtClean="0"/>
-              <a:t>1/17/2023</a:t>
+              <a:t>1/19/2023</a:t>
             </a:fld>
             <a:endParaRPr lang="en-US"/>
           </a:p>
@@ -3070,7 +3071,7 @@
       </p:grpSpPr>
       <p:pic>
         <p:nvPicPr>
-          <p:cNvPr id="3074" name="Picture 2" descr="In-Depth: Interface One Channel Relay Module with Arduino"/>
+          <p:cNvPr id="7172" name="Picture 4" descr="5060ESCP | E27 GLS Incandescent Light Bulb, Clear, 50 V, 1000h | RS"/>
           <p:cNvPicPr>
             <a:picLocks noChangeAspect="1" noChangeArrowheads="1"/>
           </p:cNvPicPr>
@@ -3091,8 +3092,8 @@
         </p:blipFill>
         <p:spPr bwMode="auto">
           <a:xfrm>
-            <a:off x="2590799" y="710952"/>
-            <a:ext cx="6562387" cy="5385047"/>
+            <a:off x="2182864" y="457114"/>
+            <a:ext cx="7328468" cy="4114799"/>
           </a:xfrm>
           <a:prstGeom prst="rect">
             <a:avLst/>
@@ -3107,6 +3108,324 @@
               </a14:hiddenFill>
             </a:ext>
           </a:extLst>
+        </p:spPr>
+      </p:pic>
+      <p:pic>
+        <p:nvPicPr>
+          <p:cNvPr id="7170" name="Picture 2" descr="Vibrat Enterprise E27 Round Plastic Base Screw Light Bulb Lamp Socket  Holder Plastic Light Socket Price in India - Buy Vibrat Enterprise E27  Round Plastic Base Screw Light Bulb Lamp Socket Holder"/>
+          <p:cNvPicPr>
+            <a:picLocks noChangeAspect="1" noChangeArrowheads="1"/>
+          </p:cNvPicPr>
+          <p:nvPr/>
+        </p:nvPicPr>
+        <p:blipFill>
+          <a:blip r:embed="rId3">
+            <a:extLst>
+              <a:ext uri="{28A0092B-C50C-407E-A947-70E740481C1C}">
+                <a14:useLocalDpi xmlns:a14="http://schemas.microsoft.com/office/drawing/2010/main" val="0"/>
+              </a:ext>
+            </a:extLst>
+          </a:blip>
+          <a:srcRect/>
+          <a:stretch>
+            <a:fillRect/>
+          </a:stretch>
+        </p:blipFill>
+        <p:spPr bwMode="auto">
+          <a:xfrm>
+            <a:off x="8115301" y="2559019"/>
+            <a:ext cx="3295111" cy="2994116"/>
+          </a:xfrm>
+          <a:prstGeom prst="rect">
+            <a:avLst/>
+          </a:prstGeom>
+          <a:noFill/>
+          <a:extLst>
+            <a:ext uri="{909E8E84-426E-40DD-AFC4-6F175D3DCCD1}">
+              <a14:hiddenFill xmlns:a14="http://schemas.microsoft.com/office/drawing/2010/main">
+                <a:solidFill>
+                  <a:srgbClr val="FFFFFF"/>
+                </a:solidFill>
+              </a14:hiddenFill>
+            </a:ext>
+          </a:extLst>
+        </p:spPr>
+      </p:pic>
+      <p:pic>
+        <p:nvPicPr>
+          <p:cNvPr id="7174" name="Picture 6" descr="I Like That Lamp Base Socket Kit Electrical Wiring Set for Making,  Repairing &amp; Repurposing Lamps Antique Brass Socket with a Long Brown Cord :  Amazon.com.au: Lighting"/>
+          <p:cNvPicPr>
+            <a:picLocks noChangeAspect="1" noChangeArrowheads="1"/>
+          </p:cNvPicPr>
+          <p:nvPr/>
+        </p:nvPicPr>
+        <p:blipFill rotWithShape="1">
+          <a:blip r:embed="rId4">
+            <a:extLst>
+              <a:ext uri="{28A0092B-C50C-407E-A947-70E740481C1C}">
+                <a14:useLocalDpi xmlns:a14="http://schemas.microsoft.com/office/drawing/2010/main" val="0"/>
+              </a:ext>
+            </a:extLst>
+          </a:blip>
+          <a:srcRect l="56790" t="1780" r="-2781" b="11097"/>
+          <a:stretch/>
+        </p:blipFill>
+        <p:spPr bwMode="auto">
+          <a:xfrm>
+            <a:off x="578813" y="457114"/>
+            <a:ext cx="3208103" cy="6077243"/>
+          </a:xfrm>
+          <a:prstGeom prst="rect">
+            <a:avLst/>
+          </a:prstGeom>
+          <a:noFill/>
+          <a:extLst>
+            <a:ext uri="{909E8E84-426E-40DD-AFC4-6F175D3DCCD1}">
+              <a14:hiddenFill xmlns:a14="http://schemas.microsoft.com/office/drawing/2010/main">
+                <a:solidFill>
+                  <a:srgbClr val="FFFFFF"/>
+                </a:solidFill>
+              </a14:hiddenFill>
+            </a:ext>
+          </a:extLst>
+        </p:spPr>
+      </p:pic>
+      <p:sp>
+        <p:nvSpPr>
+          <p:cNvPr id="6" name="TextBox 5"/>
+          <p:cNvSpPr txBox="1"/>
+          <p:nvPr/>
+        </p:nvSpPr>
+        <p:spPr>
+          <a:xfrm>
+            <a:off x="299542" y="4093027"/>
+            <a:ext cx="3767711" cy="646331"/>
+          </a:xfrm>
+          <a:prstGeom prst="rect">
+            <a:avLst/>
+          </a:prstGeom>
+          <a:solidFill>
+            <a:srgbClr val="FFFF00"/>
+          </a:solidFill>
+        </p:spPr>
+        <p:txBody>
+          <a:bodyPr wrap="square" rtlCol="0">
+            <a:spAutoFit/>
+          </a:bodyPr>
+          <a:lstStyle/>
+          <a:p>
+            <a:pPr algn="ctr"/>
+            <a:r>
+              <a:rPr lang="en-US" sz="3600" dirty="0" smtClean="0">
+                <a:ln w="0"/>
+                <a:solidFill>
+                  <a:schemeClr val="accent1"/>
+                </a:solidFill>
+                <a:effectLst>
+                  <a:outerShdw blurRad="38100" dist="25400" dir="5400000" algn="ctr" rotWithShape="0">
+                    <a:srgbClr val="6E747A">
+                      <a:alpha val="43000"/>
+                    </a:srgbClr>
+                  </a:outerShdw>
+                </a:effectLst>
+              </a:rPr>
+              <a:t>AC Wire W/ Plug</a:t>
+            </a:r>
+            <a:endParaRPr lang="en-US" sz="3600" dirty="0">
+              <a:ln w="0"/>
+              <a:solidFill>
+                <a:schemeClr val="accent1"/>
+              </a:solidFill>
+              <a:effectLst>
+                <a:outerShdw blurRad="38100" dist="25400" dir="5400000" algn="ctr" rotWithShape="0">
+                  <a:srgbClr val="6E747A">
+                    <a:alpha val="43000"/>
+                  </a:srgbClr>
+                </a:outerShdw>
+              </a:effectLst>
+            </a:endParaRPr>
+          </a:p>
+        </p:txBody>
+      </p:sp>
+      <p:sp>
+        <p:nvSpPr>
+          <p:cNvPr id="7" name="TextBox 6"/>
+          <p:cNvSpPr txBox="1"/>
+          <p:nvPr/>
+        </p:nvSpPr>
+        <p:spPr>
+          <a:xfrm>
+            <a:off x="7064987" y="1184901"/>
+            <a:ext cx="3651590" cy="646331"/>
+          </a:xfrm>
+          <a:prstGeom prst="rect">
+            <a:avLst/>
+          </a:prstGeom>
+          <a:solidFill>
+            <a:srgbClr val="FFFF00"/>
+          </a:solidFill>
+        </p:spPr>
+        <p:txBody>
+          <a:bodyPr wrap="square" rtlCol="0">
+            <a:spAutoFit/>
+          </a:bodyPr>
+          <a:lstStyle/>
+          <a:p>
+            <a:pPr algn="ctr"/>
+            <a:r>
+              <a:rPr lang="en-US" sz="3600" dirty="0" smtClean="0">
+                <a:ln w="0"/>
+                <a:solidFill>
+                  <a:schemeClr val="accent1"/>
+                </a:solidFill>
+                <a:effectLst>
+                  <a:outerShdw blurRad="38100" dist="25400" dir="5400000" algn="ctr" rotWithShape="0">
+                    <a:srgbClr val="6E747A">
+                      <a:alpha val="43000"/>
+                    </a:srgbClr>
+                  </a:outerShdw>
+                </a:effectLst>
+              </a:rPr>
+              <a:t>Light Bulb 220VAC</a:t>
+            </a:r>
+            <a:endParaRPr lang="en-US" sz="3600" dirty="0">
+              <a:ln w="0"/>
+              <a:solidFill>
+                <a:schemeClr val="accent1"/>
+              </a:solidFill>
+              <a:effectLst>
+                <a:outerShdw blurRad="38100" dist="25400" dir="5400000" algn="ctr" rotWithShape="0">
+                  <a:srgbClr val="6E747A">
+                    <a:alpha val="43000"/>
+                  </a:srgbClr>
+                </a:outerShdw>
+              </a:effectLst>
+            </a:endParaRPr>
+          </a:p>
+        </p:txBody>
+      </p:sp>
+      <p:sp>
+        <p:nvSpPr>
+          <p:cNvPr id="8" name="TextBox 7"/>
+          <p:cNvSpPr txBox="1"/>
+          <p:nvPr/>
+        </p:nvSpPr>
+        <p:spPr>
+          <a:xfrm>
+            <a:off x="7350684" y="4739358"/>
+            <a:ext cx="2740295" cy="646331"/>
+          </a:xfrm>
+          <a:prstGeom prst="rect">
+            <a:avLst/>
+          </a:prstGeom>
+          <a:solidFill>
+            <a:srgbClr val="FFFF00"/>
+          </a:solidFill>
+        </p:spPr>
+        <p:txBody>
+          <a:bodyPr wrap="square" rtlCol="0">
+            <a:spAutoFit/>
+          </a:bodyPr>
+          <a:lstStyle/>
+          <a:p>
+            <a:pPr algn="ctr"/>
+            <a:r>
+              <a:rPr lang="en-US" sz="3600" dirty="0" smtClean="0">
+                <a:ln w="0"/>
+                <a:solidFill>
+                  <a:schemeClr val="accent1"/>
+                </a:solidFill>
+                <a:effectLst>
+                  <a:outerShdw blurRad="38100" dist="25400" dir="5400000" algn="ctr" rotWithShape="0">
+                    <a:srgbClr val="6E747A">
+                      <a:alpha val="43000"/>
+                    </a:srgbClr>
+                  </a:outerShdw>
+                </a:effectLst>
+              </a:rPr>
+              <a:t>Bulb Socket</a:t>
+            </a:r>
+            <a:endParaRPr lang="en-US" sz="3600" dirty="0">
+              <a:ln w="0"/>
+              <a:solidFill>
+                <a:schemeClr val="accent1"/>
+              </a:solidFill>
+              <a:effectLst>
+                <a:outerShdw blurRad="38100" dist="25400" dir="5400000" algn="ctr" rotWithShape="0">
+                  <a:srgbClr val="6E747A">
+                    <a:alpha val="43000"/>
+                  </a:srgbClr>
+                </a:outerShdw>
+              </a:effectLst>
+            </a:endParaRPr>
+          </a:p>
+        </p:txBody>
+      </p:sp>
+    </p:spTree>
+    <p:extLst>
+      <p:ext uri="{BB962C8B-B14F-4D97-AF65-F5344CB8AC3E}">
+        <p14:creationId xmlns:p14="http://schemas.microsoft.com/office/powerpoint/2010/main" val="987149980"/>
+      </p:ext>
+    </p:extLst>
+  </p:cSld>
+  <p:clrMapOvr>
+    <a:masterClrMapping/>
+  </p:clrMapOvr>
+  <p:timing>
+    <p:tnLst>
+      <p:par>
+        <p:cTn id="1" dur="indefinite" restart="never" nodeType="tmRoot"/>
+      </p:par>
+    </p:tnLst>
+  </p:timing>
+</p:sld>
+</file>
+
+<file path=ppt/slides/slide11.xml><?xml version="1.0" encoding="utf-8"?>
+<p:sld xmlns:a="http://schemas.openxmlformats.org/drawingml/2006/main" xmlns:r="http://schemas.openxmlformats.org/officeDocument/2006/relationships" xmlns:p="http://schemas.openxmlformats.org/presentationml/2006/main">
+  <p:cSld>
+    <p:spTree>
+      <p:nvGrpSpPr>
+        <p:cNvPr id="1" name=""/>
+        <p:cNvGrpSpPr/>
+        <p:nvPr/>
+      </p:nvGrpSpPr>
+      <p:grpSpPr>
+        <a:xfrm>
+          <a:off x="0" y="0"/>
+          <a:ext cx="0" cy="0"/>
+          <a:chOff x="0" y="0"/>
+          <a:chExt cx="0" cy="0"/>
+        </a:xfrm>
+      </p:grpSpPr>
+      <p:pic>
+        <p:nvPicPr>
+          <p:cNvPr id="3" name="Picture 2"/>
+          <p:cNvPicPr>
+            <a:picLocks noChangeAspect="1"/>
+          </p:cNvPicPr>
+          <p:nvPr/>
+        </p:nvPicPr>
+        <p:blipFill>
+          <a:blip r:embed="rId2" cstate="print">
+            <a:extLst>
+              <a:ext uri="{28A0092B-C50C-407E-A947-70E740481C1C}">
+                <a14:useLocalDpi xmlns:a14="http://schemas.microsoft.com/office/drawing/2010/main" val="0"/>
+              </a:ext>
+            </a:extLst>
+          </a:blip>
+          <a:stretch>
+            <a:fillRect/>
+          </a:stretch>
+        </p:blipFill>
+        <p:spPr>
+          <a:xfrm>
+            <a:off x="1236706" y="0"/>
+            <a:ext cx="9718587" cy="6858000"/>
+          </a:xfrm>
+          <a:prstGeom prst="rect">
+            <a:avLst/>
+          </a:prstGeom>
         </p:spPr>
       </p:pic>
     </p:spTree>
@@ -3129,7 +3448,7 @@
 </p:sld>
 </file>
 
-<file path=ppt/slides/slide11.xml><?xml version="1.0" encoding="utf-8"?>
+<file path=ppt/slides/slide12.xml><?xml version="1.0" encoding="utf-8"?>
 <p:sld xmlns:a="http://schemas.openxmlformats.org/drawingml/2006/main" xmlns:r="http://schemas.openxmlformats.org/officeDocument/2006/relationships" xmlns:p="http://schemas.openxmlformats.org/presentationml/2006/main">
   <p:cSld>
     <p:spTree>
@@ -3183,9 +3502,85 @@
           <a:chExt cx="0" cy="0"/>
         </a:xfrm>
       </p:grpSpPr>
+      <p:sp>
+        <p:nvSpPr>
+          <p:cNvPr id="2" name="TextBox 1"/>
+          <p:cNvSpPr txBox="1"/>
+          <p:nvPr/>
+        </p:nvSpPr>
+        <p:spPr>
+          <a:xfrm>
+            <a:off x="3479872" y="4663868"/>
+            <a:ext cx="4813228" cy="1754326"/>
+          </a:xfrm>
+          <a:prstGeom prst="rect">
+            <a:avLst/>
+          </a:prstGeom>
+          <a:solidFill>
+            <a:srgbClr val="FFFF00"/>
+          </a:solidFill>
+        </p:spPr>
+        <p:txBody>
+          <a:bodyPr wrap="square" rtlCol="0">
+            <a:spAutoFit/>
+          </a:bodyPr>
+          <a:lstStyle/>
+          <a:p>
+            <a:pPr algn="ctr"/>
+            <a:r>
+              <a:rPr lang="en-US" sz="3600" dirty="0" smtClean="0">
+                <a:ln w="0"/>
+                <a:solidFill>
+                  <a:schemeClr val="accent1"/>
+                </a:solidFill>
+                <a:effectLst>
+                  <a:outerShdw blurRad="38100" dist="25400" dir="5400000" algn="ctr" rotWithShape="0">
+                    <a:srgbClr val="6E747A">
+                      <a:alpha val="43000"/>
+                    </a:srgbClr>
+                  </a:outerShdw>
+                </a:effectLst>
+              </a:rPr>
+              <a:t>LAPTOP &amp; </a:t>
+            </a:r>
+          </a:p>
+          <a:p>
+            <a:pPr algn="ctr"/>
+            <a:r>
+              <a:rPr lang="en-US" sz="3600" dirty="0" smtClean="0">
+                <a:ln w="0"/>
+                <a:solidFill>
+                  <a:schemeClr val="accent1"/>
+                </a:solidFill>
+                <a:effectLst>
+                  <a:outerShdw blurRad="38100" dist="25400" dir="5400000" algn="ctr" rotWithShape="0">
+                    <a:srgbClr val="6E747A">
+                      <a:alpha val="43000"/>
+                    </a:srgbClr>
+                  </a:outerShdw>
+                </a:effectLst>
+              </a:rPr>
+              <a:t>WIRELESS ROUTER W/INTERNET</a:t>
+            </a:r>
+            <a:endParaRPr lang="en-US" sz="3600" dirty="0">
+              <a:ln w="0"/>
+              <a:solidFill>
+                <a:schemeClr val="accent1"/>
+              </a:solidFill>
+              <a:effectLst>
+                <a:outerShdw blurRad="38100" dist="25400" dir="5400000" algn="ctr" rotWithShape="0">
+                  <a:srgbClr val="6E747A">
+                    <a:alpha val="43000"/>
+                  </a:srgbClr>
+                </a:outerShdw>
+              </a:effectLst>
+            </a:endParaRPr>
+          </a:p>
+        </p:txBody>
+      </p:sp>
       <p:pic>
         <p:nvPicPr>
-          <p:cNvPr id="1026" name="Picture 2" descr="Amazon.com: HiLetgo 1PC ESP8266 NodeMCU CP2102 ESP-12E Development Board  Open Source Serial Module Works Great for Arduino IDE/Micropython (Small) :  Electronics"/>
+          <p:cNvPr id="3" name="Picture 2" descr="HUAWEI Laptops - HUAWEI KSA"/>
           <p:cNvPicPr>
             <a:picLocks noChangeAspect="1" noChangeArrowheads="1"/>
           </p:cNvPicPr>
@@ -3206,8 +3601,8 @@
         </p:blipFill>
         <p:spPr bwMode="auto">
           <a:xfrm>
-            <a:off x="3475579" y="516282"/>
-            <a:ext cx="5559641" cy="5370613"/>
+            <a:off x="702060" y="1638300"/>
+            <a:ext cx="5835024" cy="3025568"/>
           </a:xfrm>
           <a:prstGeom prst="rect">
             <a:avLst/>
@@ -3224,63 +3619,47 @@
           </a:extLst>
         </p:spPr>
       </p:pic>
-      <p:sp>
-        <p:nvSpPr>
-          <p:cNvPr id="2" name="TextBox 1"/>
-          <p:cNvSpPr txBox="1"/>
+      <p:pic>
+        <p:nvPicPr>
+          <p:cNvPr id="1030" name="Picture 6" descr="Internet Basics: How to Set Up a Wi-Fi Network"/>
+          <p:cNvPicPr>
+            <a:picLocks noChangeAspect="1" noChangeArrowheads="1"/>
+          </p:cNvPicPr>
           <p:nvPr/>
-        </p:nvSpPr>
-        <p:spPr>
-          <a:xfrm>
-            <a:off x="4343472" y="5563729"/>
-            <a:ext cx="4239491" cy="646331"/>
+        </p:nvPicPr>
+        <p:blipFill>
+          <a:blip r:embed="rId3">
+            <a:extLst>
+              <a:ext uri="{28A0092B-C50C-407E-A947-70E740481C1C}">
+                <a14:useLocalDpi xmlns:a14="http://schemas.microsoft.com/office/drawing/2010/main" val="0"/>
+              </a:ext>
+            </a:extLst>
+          </a:blip>
+          <a:srcRect/>
+          <a:stretch>
+            <a:fillRect/>
+          </a:stretch>
+        </p:blipFill>
+        <p:spPr bwMode="auto">
+          <a:xfrm>
+            <a:off x="6284894" y="1246161"/>
+            <a:ext cx="4295811" cy="2994051"/>
           </a:xfrm>
           <a:prstGeom prst="rect">
             <a:avLst/>
           </a:prstGeom>
-          <a:solidFill>
-            <a:srgbClr val="FFFF00"/>
-          </a:solidFill>
-        </p:spPr>
-        <p:txBody>
-          <a:bodyPr wrap="square" rtlCol="0">
-            <a:spAutoFit/>
-          </a:bodyPr>
-          <a:lstStyle/>
-          <a:p>
-            <a:pPr algn="ctr"/>
-            <a:r>
-              <a:rPr lang="en-US" sz="3600" dirty="0" smtClean="0">
-                <a:ln w="0"/>
+          <a:noFill/>
+          <a:extLst>
+            <a:ext uri="{909E8E84-426E-40DD-AFC4-6F175D3DCCD1}">
+              <a14:hiddenFill xmlns:a14="http://schemas.microsoft.com/office/drawing/2010/main">
                 <a:solidFill>
-                  <a:schemeClr val="accent1"/>
+                  <a:srgbClr val="FFFFFF"/>
                 </a:solidFill>
-                <a:effectLst>
-                  <a:outerShdw blurRad="38100" dist="25400" dir="5400000" algn="ctr" rotWithShape="0">
-                    <a:srgbClr val="6E747A">
-                      <a:alpha val="43000"/>
-                    </a:srgbClr>
-                  </a:outerShdw>
-                </a:effectLst>
-              </a:rPr>
-              <a:t>ESP8266 NodeMCU</a:t>
-            </a:r>
-            <a:endParaRPr lang="en-US" sz="3600" dirty="0">
-              <a:ln w="0"/>
-              <a:solidFill>
-                <a:schemeClr val="accent1"/>
-              </a:solidFill>
-              <a:effectLst>
-                <a:outerShdw blurRad="38100" dist="25400" dir="5400000" algn="ctr" rotWithShape="0">
-                  <a:srgbClr val="6E747A">
-                    <a:alpha val="43000"/>
-                  </a:srgbClr>
-                </a:outerShdw>
-              </a:effectLst>
-            </a:endParaRPr>
-          </a:p>
-        </p:txBody>
-      </p:sp>
+              </a14:hiddenFill>
+            </a:ext>
+          </a:extLst>
+        </p:spPr>
+      </p:pic>
     </p:spTree>
     <p:extLst>
       <p:ext uri="{BB962C8B-B14F-4D97-AF65-F5344CB8AC3E}">
@@ -3320,6 +3699,141 @@
       </p:grpSpPr>
       <p:pic>
         <p:nvPicPr>
+          <p:cNvPr id="1026" name="Picture 2" descr="Amazon.com: HiLetgo 1PC ESP8266 NodeMCU CP2102 ESP-12E Development Board  Open Source Serial Module Works Great for Arduino IDE/Micropython (Small) :  Electronics"/>
+          <p:cNvPicPr>
+            <a:picLocks noChangeAspect="1" noChangeArrowheads="1"/>
+          </p:cNvPicPr>
+          <p:nvPr/>
+        </p:nvPicPr>
+        <p:blipFill>
+          <a:blip r:embed="rId2" cstate="print">
+            <a:extLst>
+              <a:ext uri="{28A0092B-C50C-407E-A947-70E740481C1C}">
+                <a14:useLocalDpi xmlns:a14="http://schemas.microsoft.com/office/drawing/2010/main" val="0"/>
+              </a:ext>
+            </a:extLst>
+          </a:blip>
+          <a:srcRect/>
+          <a:stretch>
+            <a:fillRect/>
+          </a:stretch>
+        </p:blipFill>
+        <p:spPr bwMode="auto">
+          <a:xfrm>
+            <a:off x="3475579" y="516282"/>
+            <a:ext cx="5559641" cy="5370613"/>
+          </a:xfrm>
+          <a:prstGeom prst="rect">
+            <a:avLst/>
+          </a:prstGeom>
+          <a:noFill/>
+          <a:extLst>
+            <a:ext uri="{909E8E84-426E-40DD-AFC4-6F175D3DCCD1}">
+              <a14:hiddenFill xmlns:a14="http://schemas.microsoft.com/office/drawing/2010/main">
+                <a:solidFill>
+                  <a:srgbClr val="FFFFFF"/>
+                </a:solidFill>
+              </a14:hiddenFill>
+            </a:ext>
+          </a:extLst>
+        </p:spPr>
+      </p:pic>
+      <p:sp>
+        <p:nvSpPr>
+          <p:cNvPr id="2" name="TextBox 1"/>
+          <p:cNvSpPr txBox="1"/>
+          <p:nvPr/>
+        </p:nvSpPr>
+        <p:spPr>
+          <a:xfrm>
+            <a:off x="4343472" y="5563729"/>
+            <a:ext cx="4239491" cy="646331"/>
+          </a:xfrm>
+          <a:prstGeom prst="rect">
+            <a:avLst/>
+          </a:prstGeom>
+          <a:solidFill>
+            <a:srgbClr val="FFFF00"/>
+          </a:solidFill>
+        </p:spPr>
+        <p:txBody>
+          <a:bodyPr wrap="square" rtlCol="0">
+            <a:spAutoFit/>
+          </a:bodyPr>
+          <a:lstStyle/>
+          <a:p>
+            <a:pPr algn="ctr"/>
+            <a:r>
+              <a:rPr lang="en-US" sz="3600" dirty="0" smtClean="0">
+                <a:ln w="0"/>
+                <a:solidFill>
+                  <a:schemeClr val="accent1"/>
+                </a:solidFill>
+                <a:effectLst>
+                  <a:outerShdw blurRad="38100" dist="25400" dir="5400000" algn="ctr" rotWithShape="0">
+                    <a:srgbClr val="6E747A">
+                      <a:alpha val="43000"/>
+                    </a:srgbClr>
+                  </a:outerShdw>
+                </a:effectLst>
+              </a:rPr>
+              <a:t>ESP8266 NodeMCU</a:t>
+            </a:r>
+            <a:endParaRPr lang="en-US" sz="3600" dirty="0">
+              <a:ln w="0"/>
+              <a:solidFill>
+                <a:schemeClr val="accent1"/>
+              </a:solidFill>
+              <a:effectLst>
+                <a:outerShdw blurRad="38100" dist="25400" dir="5400000" algn="ctr" rotWithShape="0">
+                  <a:srgbClr val="6E747A">
+                    <a:alpha val="43000"/>
+                  </a:srgbClr>
+                </a:outerShdw>
+              </a:effectLst>
+            </a:endParaRPr>
+          </a:p>
+        </p:txBody>
+      </p:sp>
+    </p:spTree>
+    <p:extLst>
+      <p:ext uri="{BB962C8B-B14F-4D97-AF65-F5344CB8AC3E}">
+        <p14:creationId xmlns:p14="http://schemas.microsoft.com/office/powerpoint/2010/main" val="1499110483"/>
+      </p:ext>
+    </p:extLst>
+  </p:cSld>
+  <p:clrMapOvr>
+    <a:masterClrMapping/>
+  </p:clrMapOvr>
+  <p:timing>
+    <p:tnLst>
+      <p:par>
+        <p:cTn id="1" dur="indefinite" restart="never" nodeType="tmRoot"/>
+      </p:par>
+    </p:tnLst>
+  </p:timing>
+</p:sld>
+</file>
+
+<file path=ppt/slides/slide4.xml><?xml version="1.0" encoding="utf-8"?>
+<p:sld xmlns:a="http://schemas.openxmlformats.org/drawingml/2006/main" xmlns:r="http://schemas.openxmlformats.org/officeDocument/2006/relationships" xmlns:p="http://schemas.openxmlformats.org/presentationml/2006/main">
+  <p:cSld>
+    <p:spTree>
+      <p:nvGrpSpPr>
+        <p:cNvPr id="1" name=""/>
+        <p:cNvGrpSpPr/>
+        <p:nvPr/>
+      </p:nvGrpSpPr>
+      <p:grpSpPr>
+        <a:xfrm>
+          <a:off x="0" y="0"/>
+          <a:ext cx="0" cy="0"/>
+          <a:chOff x="0" y="0"/>
+          <a:chExt cx="0" cy="0"/>
+        </a:xfrm>
+      </p:grpSpPr>
+      <p:pic>
+        <p:nvPicPr>
           <p:cNvPr id="9218" name="Picture 2" descr="Buy Cables And Connectors at best prices | eXtra Saudi Arabia"/>
           <p:cNvPicPr>
             <a:picLocks noChangeAspect="1" noChangeArrowheads="1"/>
@@ -3436,7 +3950,7 @@
 </p:sld>
 </file>
 
-<file path=ppt/slides/slide4.xml><?xml version="1.0" encoding="utf-8"?>
+<file path=ppt/slides/slide5.xml><?xml version="1.0" encoding="utf-8"?>
 <p:sld xmlns:a="http://schemas.openxmlformats.org/drawingml/2006/main" xmlns:r="http://schemas.openxmlformats.org/officeDocument/2006/relationships" xmlns:p="http://schemas.openxmlformats.org/presentationml/2006/main">
   <p:cSld>
     <p:spTree>
@@ -3571,7 +4085,7 @@
 </p:sld>
 </file>
 
-<file path=ppt/slides/slide5.xml><?xml version="1.0" encoding="utf-8"?>
+<file path=ppt/slides/slide6.xml><?xml version="1.0" encoding="utf-8"?>
 <p:sld xmlns:a="http://schemas.openxmlformats.org/drawingml/2006/main" xmlns:r="http://schemas.openxmlformats.org/officeDocument/2006/relationships" xmlns:p="http://schemas.openxmlformats.org/presentationml/2006/main">
   <p:cSld>
     <p:spTree>
@@ -3706,7 +4220,7 @@
 </p:sld>
 </file>
 
-<file path=ppt/slides/slide6.xml><?xml version="1.0" encoding="utf-8"?>
+<file path=ppt/slides/slide7.xml><?xml version="1.0" encoding="utf-8"?>
 <p:sld xmlns:a="http://schemas.openxmlformats.org/drawingml/2006/main" xmlns:r="http://schemas.openxmlformats.org/officeDocument/2006/relationships" xmlns:p="http://schemas.openxmlformats.org/presentationml/2006/main">
   <p:cSld>
     <p:spTree>
@@ -3996,7 +4510,7 @@
 </p:sld>
 </file>
 
-<file path=ppt/slides/slide7.xml><?xml version="1.0" encoding="utf-8"?>
+<file path=ppt/slides/slide8.xml><?xml version="1.0" encoding="utf-8"?>
 <p:sld xmlns:a="http://schemas.openxmlformats.org/drawingml/2006/main" xmlns:r="http://schemas.openxmlformats.org/officeDocument/2006/relationships" xmlns:p="http://schemas.openxmlformats.org/presentationml/2006/main">
   <p:cSld>
     <p:spTree>
@@ -4131,7 +4645,7 @@
 </p:sld>
 </file>
 
-<file path=ppt/slides/slide8.xml><?xml version="1.0" encoding="utf-8"?>
+<file path=ppt/slides/slide9.xml><?xml version="1.0" encoding="utf-8"?>
 <p:sld xmlns:a="http://schemas.openxmlformats.org/drawingml/2006/main" xmlns:r="http://schemas.openxmlformats.org/officeDocument/2006/relationships" xmlns:p="http://schemas.openxmlformats.org/presentationml/2006/main">
   <p:cSld>
     <p:spTree>
@@ -4250,335 +4764,6 @@
     <p:extLst>
       <p:ext uri="{BB962C8B-B14F-4D97-AF65-F5344CB8AC3E}">
         <p14:creationId xmlns:p14="http://schemas.microsoft.com/office/powerpoint/2010/main" val="2148974135"/>
-      </p:ext>
-    </p:extLst>
-  </p:cSld>
-  <p:clrMapOvr>
-    <a:masterClrMapping/>
-  </p:clrMapOvr>
-  <p:timing>
-    <p:tnLst>
-      <p:par>
-        <p:cTn id="1" dur="indefinite" restart="never" nodeType="tmRoot"/>
-      </p:par>
-    </p:tnLst>
-  </p:timing>
-</p:sld>
-</file>
-
-<file path=ppt/slides/slide9.xml><?xml version="1.0" encoding="utf-8"?>
-<p:sld xmlns:a="http://schemas.openxmlformats.org/drawingml/2006/main" xmlns:r="http://schemas.openxmlformats.org/officeDocument/2006/relationships" xmlns:p="http://schemas.openxmlformats.org/presentationml/2006/main">
-  <p:cSld>
-    <p:spTree>
-      <p:nvGrpSpPr>
-        <p:cNvPr id="1" name=""/>
-        <p:cNvGrpSpPr/>
-        <p:nvPr/>
-      </p:nvGrpSpPr>
-      <p:grpSpPr>
-        <a:xfrm>
-          <a:off x="0" y="0"/>
-          <a:ext cx="0" cy="0"/>
-          <a:chOff x="0" y="0"/>
-          <a:chExt cx="0" cy="0"/>
-        </a:xfrm>
-      </p:grpSpPr>
-      <p:pic>
-        <p:nvPicPr>
-          <p:cNvPr id="7172" name="Picture 4" descr="5060ESCP | E27 GLS Incandescent Light Bulb, Clear, 50 V, 1000h | RS"/>
-          <p:cNvPicPr>
-            <a:picLocks noChangeAspect="1" noChangeArrowheads="1"/>
-          </p:cNvPicPr>
-          <p:nvPr/>
-        </p:nvPicPr>
-        <p:blipFill>
-          <a:blip r:embed="rId2">
-            <a:extLst>
-              <a:ext uri="{28A0092B-C50C-407E-A947-70E740481C1C}">
-                <a14:useLocalDpi xmlns:a14="http://schemas.microsoft.com/office/drawing/2010/main" val="0"/>
-              </a:ext>
-            </a:extLst>
-          </a:blip>
-          <a:srcRect/>
-          <a:stretch>
-            <a:fillRect/>
-          </a:stretch>
-        </p:blipFill>
-        <p:spPr bwMode="auto">
-          <a:xfrm>
-            <a:off x="2182864" y="457114"/>
-            <a:ext cx="7328468" cy="4114799"/>
-          </a:xfrm>
-          <a:prstGeom prst="rect">
-            <a:avLst/>
-          </a:prstGeom>
-          <a:noFill/>
-          <a:extLst>
-            <a:ext uri="{909E8E84-426E-40DD-AFC4-6F175D3DCCD1}">
-              <a14:hiddenFill xmlns:a14="http://schemas.microsoft.com/office/drawing/2010/main">
-                <a:solidFill>
-                  <a:srgbClr val="FFFFFF"/>
-                </a:solidFill>
-              </a14:hiddenFill>
-            </a:ext>
-          </a:extLst>
-        </p:spPr>
-      </p:pic>
-      <p:pic>
-        <p:nvPicPr>
-          <p:cNvPr id="7170" name="Picture 2" descr="Vibrat Enterprise E27 Round Plastic Base Screw Light Bulb Lamp Socket  Holder Plastic Light Socket Price in India - Buy Vibrat Enterprise E27  Round Plastic Base Screw Light Bulb Lamp Socket Holder"/>
-          <p:cNvPicPr>
-            <a:picLocks noChangeAspect="1" noChangeArrowheads="1"/>
-          </p:cNvPicPr>
-          <p:nvPr/>
-        </p:nvPicPr>
-        <p:blipFill>
-          <a:blip r:embed="rId3">
-            <a:extLst>
-              <a:ext uri="{28A0092B-C50C-407E-A947-70E740481C1C}">
-                <a14:useLocalDpi xmlns:a14="http://schemas.microsoft.com/office/drawing/2010/main" val="0"/>
-              </a:ext>
-            </a:extLst>
-          </a:blip>
-          <a:srcRect/>
-          <a:stretch>
-            <a:fillRect/>
-          </a:stretch>
-        </p:blipFill>
-        <p:spPr bwMode="auto">
-          <a:xfrm>
-            <a:off x="8115301" y="2559019"/>
-            <a:ext cx="3295111" cy="2994116"/>
-          </a:xfrm>
-          <a:prstGeom prst="rect">
-            <a:avLst/>
-          </a:prstGeom>
-          <a:noFill/>
-          <a:extLst>
-            <a:ext uri="{909E8E84-426E-40DD-AFC4-6F175D3DCCD1}">
-              <a14:hiddenFill xmlns:a14="http://schemas.microsoft.com/office/drawing/2010/main">
-                <a:solidFill>
-                  <a:srgbClr val="FFFFFF"/>
-                </a:solidFill>
-              </a14:hiddenFill>
-            </a:ext>
-          </a:extLst>
-        </p:spPr>
-      </p:pic>
-      <p:pic>
-        <p:nvPicPr>
-          <p:cNvPr id="7174" name="Picture 6" descr="I Like That Lamp Base Socket Kit Electrical Wiring Set for Making,  Repairing &amp; Repurposing Lamps Antique Brass Socket with a Long Brown Cord :  Amazon.com.au: Lighting"/>
-          <p:cNvPicPr>
-            <a:picLocks noChangeAspect="1" noChangeArrowheads="1"/>
-          </p:cNvPicPr>
-          <p:nvPr/>
-        </p:nvPicPr>
-        <p:blipFill rotWithShape="1">
-          <a:blip r:embed="rId4">
-            <a:extLst>
-              <a:ext uri="{28A0092B-C50C-407E-A947-70E740481C1C}">
-                <a14:useLocalDpi xmlns:a14="http://schemas.microsoft.com/office/drawing/2010/main" val="0"/>
-              </a:ext>
-            </a:extLst>
-          </a:blip>
-          <a:srcRect l="56790" t="1780" r="-2781" b="11097"/>
-          <a:stretch/>
-        </p:blipFill>
-        <p:spPr bwMode="auto">
-          <a:xfrm>
-            <a:off x="578813" y="457114"/>
-            <a:ext cx="3208103" cy="6077243"/>
-          </a:xfrm>
-          <a:prstGeom prst="rect">
-            <a:avLst/>
-          </a:prstGeom>
-          <a:noFill/>
-          <a:extLst>
-            <a:ext uri="{909E8E84-426E-40DD-AFC4-6F175D3DCCD1}">
-              <a14:hiddenFill xmlns:a14="http://schemas.microsoft.com/office/drawing/2010/main">
-                <a:solidFill>
-                  <a:srgbClr val="FFFFFF"/>
-                </a:solidFill>
-              </a14:hiddenFill>
-            </a:ext>
-          </a:extLst>
-        </p:spPr>
-      </p:pic>
-      <p:sp>
-        <p:nvSpPr>
-          <p:cNvPr id="6" name="TextBox 5"/>
-          <p:cNvSpPr txBox="1"/>
-          <p:nvPr/>
-        </p:nvSpPr>
-        <p:spPr>
-          <a:xfrm>
-            <a:off x="299542" y="4093027"/>
-            <a:ext cx="3767711" cy="646331"/>
-          </a:xfrm>
-          <a:prstGeom prst="rect">
-            <a:avLst/>
-          </a:prstGeom>
-          <a:solidFill>
-            <a:srgbClr val="FFFF00"/>
-          </a:solidFill>
-        </p:spPr>
-        <p:txBody>
-          <a:bodyPr wrap="square" rtlCol="0">
-            <a:spAutoFit/>
-          </a:bodyPr>
-          <a:lstStyle/>
-          <a:p>
-            <a:pPr algn="ctr"/>
-            <a:r>
-              <a:rPr lang="en-US" sz="3600" dirty="0" smtClean="0">
-                <a:ln w="0"/>
-                <a:solidFill>
-                  <a:schemeClr val="accent1"/>
-                </a:solidFill>
-                <a:effectLst>
-                  <a:outerShdw blurRad="38100" dist="25400" dir="5400000" algn="ctr" rotWithShape="0">
-                    <a:srgbClr val="6E747A">
-                      <a:alpha val="43000"/>
-                    </a:srgbClr>
-                  </a:outerShdw>
-                </a:effectLst>
-              </a:rPr>
-              <a:t>AC Wire W/ Plug</a:t>
-            </a:r>
-            <a:endParaRPr lang="en-US" sz="3600" dirty="0">
-              <a:ln w="0"/>
-              <a:solidFill>
-                <a:schemeClr val="accent1"/>
-              </a:solidFill>
-              <a:effectLst>
-                <a:outerShdw blurRad="38100" dist="25400" dir="5400000" algn="ctr" rotWithShape="0">
-                  <a:srgbClr val="6E747A">
-                    <a:alpha val="43000"/>
-                  </a:srgbClr>
-                </a:outerShdw>
-              </a:effectLst>
-            </a:endParaRPr>
-          </a:p>
-        </p:txBody>
-      </p:sp>
-      <p:sp>
-        <p:nvSpPr>
-          <p:cNvPr id="7" name="TextBox 6"/>
-          <p:cNvSpPr txBox="1"/>
-          <p:nvPr/>
-        </p:nvSpPr>
-        <p:spPr>
-          <a:xfrm>
-            <a:off x="7064987" y="1184901"/>
-            <a:ext cx="3651590" cy="646331"/>
-          </a:xfrm>
-          <a:prstGeom prst="rect">
-            <a:avLst/>
-          </a:prstGeom>
-          <a:solidFill>
-            <a:srgbClr val="FFFF00"/>
-          </a:solidFill>
-        </p:spPr>
-        <p:txBody>
-          <a:bodyPr wrap="square" rtlCol="0">
-            <a:spAutoFit/>
-          </a:bodyPr>
-          <a:lstStyle/>
-          <a:p>
-            <a:pPr algn="ctr"/>
-            <a:r>
-              <a:rPr lang="en-US" sz="3600" dirty="0" smtClean="0">
-                <a:ln w="0"/>
-                <a:solidFill>
-                  <a:schemeClr val="accent1"/>
-                </a:solidFill>
-                <a:effectLst>
-                  <a:outerShdw blurRad="38100" dist="25400" dir="5400000" algn="ctr" rotWithShape="0">
-                    <a:srgbClr val="6E747A">
-                      <a:alpha val="43000"/>
-                    </a:srgbClr>
-                  </a:outerShdw>
-                </a:effectLst>
-              </a:rPr>
-              <a:t>Light Bulb 220VAC</a:t>
-            </a:r>
-            <a:endParaRPr lang="en-US" sz="3600" dirty="0">
-              <a:ln w="0"/>
-              <a:solidFill>
-                <a:schemeClr val="accent1"/>
-              </a:solidFill>
-              <a:effectLst>
-                <a:outerShdw blurRad="38100" dist="25400" dir="5400000" algn="ctr" rotWithShape="0">
-                  <a:srgbClr val="6E747A">
-                    <a:alpha val="43000"/>
-                  </a:srgbClr>
-                </a:outerShdw>
-              </a:effectLst>
-            </a:endParaRPr>
-          </a:p>
-        </p:txBody>
-      </p:sp>
-      <p:sp>
-        <p:nvSpPr>
-          <p:cNvPr id="8" name="TextBox 7"/>
-          <p:cNvSpPr txBox="1"/>
-          <p:nvPr/>
-        </p:nvSpPr>
-        <p:spPr>
-          <a:xfrm>
-            <a:off x="7350684" y="4739358"/>
-            <a:ext cx="2740295" cy="646331"/>
-          </a:xfrm>
-          <a:prstGeom prst="rect">
-            <a:avLst/>
-          </a:prstGeom>
-          <a:solidFill>
-            <a:srgbClr val="FFFF00"/>
-          </a:solidFill>
-        </p:spPr>
-        <p:txBody>
-          <a:bodyPr wrap="square" rtlCol="0">
-            <a:spAutoFit/>
-          </a:bodyPr>
-          <a:lstStyle/>
-          <a:p>
-            <a:pPr algn="ctr"/>
-            <a:r>
-              <a:rPr lang="en-US" sz="3600" dirty="0" smtClean="0">
-                <a:ln w="0"/>
-                <a:solidFill>
-                  <a:schemeClr val="accent1"/>
-                </a:solidFill>
-                <a:effectLst>
-                  <a:outerShdw blurRad="38100" dist="25400" dir="5400000" algn="ctr" rotWithShape="0">
-                    <a:srgbClr val="6E747A">
-                      <a:alpha val="43000"/>
-                    </a:srgbClr>
-                  </a:outerShdw>
-                </a:effectLst>
-              </a:rPr>
-              <a:t>Bulb Socket</a:t>
-            </a:r>
-            <a:endParaRPr lang="en-US" sz="3600" dirty="0">
-              <a:ln w="0"/>
-              <a:solidFill>
-                <a:schemeClr val="accent1"/>
-              </a:solidFill>
-              <a:effectLst>
-                <a:outerShdw blurRad="38100" dist="25400" dir="5400000" algn="ctr" rotWithShape="0">
-                  <a:srgbClr val="6E747A">
-                    <a:alpha val="43000"/>
-                  </a:srgbClr>
-                </a:outerShdw>
-              </a:effectLst>
-            </a:endParaRPr>
-          </a:p>
-        </p:txBody>
-      </p:sp>
-    </p:spTree>
-    <p:extLst>
-      <p:ext uri="{BB962C8B-B14F-4D97-AF65-F5344CB8AC3E}">
-        <p14:creationId xmlns:p14="http://schemas.microsoft.com/office/powerpoint/2010/main" val="987149980"/>
       </p:ext>
     </p:extLst>
   </p:cSld>
